--- a/psGenerator_UML.pptx
+++ b/psGenerator_UML.pptx
@@ -3584,7 +3584,7 @@
           <a:p>
             <a:pPr algn="ctr"/>
             <a:r>
-              <a:rPr lang="en-US" sz="1600" dirty="0" err="1" smtClean="0">
+              <a:rPr lang="en-US" sz="1600" dirty="0" smtClean="0">
                 <a:solidFill>
                   <a:sysClr val="windowText" lastClr="000000"/>
                 </a:solidFill>
@@ -3608,7 +3608,7 @@
         <p:spPr>
           <a:xfrm>
             <a:off x="3099071" y="406505"/>
-            <a:ext cx="2286001" cy="824502"/>
+            <a:ext cx="2286001" cy="698869"/>
           </a:xfrm>
           <a:prstGeom prst="rect">
             <a:avLst/>
@@ -3635,16 +3635,43 @@
           <a:p>
             <a:pPr algn="ctr"/>
             <a:r>
+              <a:rPr lang="en-US" sz="1400" dirty="0" smtClean="0"/>
+              <a:t>deque&lt;string&gt; </a:t>
+            </a:r>
+            <a:r>
+              <a:rPr lang="en-US" sz="1400" dirty="0" smtClean="0"/>
+              <a:t>psCode</a:t>
+            </a:r>
+          </a:p>
+          <a:p>
+            <a:pPr algn="ctr"/>
+            <a:r>
+              <a:rPr lang="en-US" sz="1400" dirty="0"/>
+              <a:t>d</a:t>
+            </a:r>
+            <a:r>
+              <a:rPr lang="en-US" sz="1400" dirty="0" smtClean="0"/>
+              <a:t>ouble </a:t>
+            </a:r>
+            <a:r>
               <a:rPr lang="en-US" sz="1400" dirty="0" err="1" smtClean="0"/>
-              <a:t>deque</a:t>
+              <a:t>boundingWidth</a:t>
+            </a:r>
+            <a:endParaRPr lang="en-US" sz="1400" dirty="0" smtClean="0"/>
+          </a:p>
+          <a:p>
+            <a:pPr algn="ctr"/>
+            <a:r>
+              <a:rPr lang="en-US" sz="1400" dirty="0"/>
+              <a:t>d</a:t>
             </a:r>
             <a:r>
               <a:rPr lang="en-US" sz="1400" dirty="0" smtClean="0"/>
-              <a:t>&lt;string&gt; </a:t>
+              <a:t>ouble </a:t>
             </a:r>
             <a:r>
               <a:rPr lang="en-US" sz="1400" dirty="0" err="1" smtClean="0"/>
-              <a:t>psCode</a:t>
+              <a:t>boundingHeight</a:t>
             </a:r>
             <a:endParaRPr lang="en-US" sz="1400" dirty="0"/>
           </a:p>
@@ -3725,28 +3752,16 @@
           <a:p>
             <a:pPr algn="ctr"/>
             <a:r>
-              <a:rPr lang="en-US" sz="1200" dirty="0" err="1" smtClean="0"/>
-              <a:t>toString</a:t>
-            </a:r>
-            <a:r>
               <a:rPr lang="en-US" sz="1200" dirty="0" smtClean="0"/>
-              <a:t>(double </a:t>
-            </a:r>
-            <a:r>
-              <a:rPr lang="en-US" sz="1200" dirty="0" err="1" smtClean="0"/>
-              <a:t>xC</a:t>
-            </a:r>
-            <a:r>
-              <a:rPr lang="en-US" sz="1200" dirty="0" err="1"/>
+              <a:t>toString(double xC</a:t>
+            </a:r>
+            <a:r>
+              <a:rPr lang="en-US" sz="1200" dirty="0"/>
               <a:t>,</a:t>
             </a:r>
             <a:r>
-              <a:rPr lang="en-US" sz="1200" dirty="0" err="1" smtClean="0"/>
-              <a:t>double</a:t>
-            </a:r>
-            <a:r>
               <a:rPr lang="en-US" sz="1200" dirty="0" smtClean="0"/>
-              <a:t> </a:t>
+              <a:t>double </a:t>
             </a:r>
             <a:r>
               <a:rPr lang="en-US" sz="1200" dirty="0" err="1" smtClean="0"/>
@@ -3926,13 +3941,8 @@
             <a:pPr algn="ctr"/>
             <a:r>
               <a:rPr lang="en-US" sz="1200" dirty="0" smtClean="0"/>
-              <a:t>Polygon</a:t>
-            </a:r>
-            <a:r>
-              <a:rPr lang="en-US" sz="1200" dirty="0" smtClean="0"/>
-              <a:t>()</a:t>
-            </a:r>
-            <a:endParaRPr lang="en-US" sz="1200" dirty="0" smtClean="0"/>
+              <a:t>Polygon()</a:t>
+            </a:r>
           </a:p>
         </p:txBody>
       </p:sp>
@@ -4102,13 +4112,8 @@
             <a:pPr algn="ctr"/>
             <a:r>
               <a:rPr lang="en-US" sz="1200" dirty="0" smtClean="0"/>
-              <a:t>Square</a:t>
-            </a:r>
-            <a:r>
-              <a:rPr lang="en-US" sz="1200" dirty="0" smtClean="0"/>
-              <a:t>()</a:t>
-            </a:r>
-            <a:endParaRPr lang="en-US" sz="1200" dirty="0" smtClean="0"/>
+              <a:t>Square()</a:t>
+            </a:r>
           </a:p>
         </p:txBody>
       </p:sp>
@@ -4263,7 +4268,7 @@
           <a:p>
             <a:pPr algn="ctr"/>
             <a:r>
-              <a:rPr lang="en-US" sz="1600" dirty="0" err="1" smtClean="0">
+              <a:rPr lang="en-US" sz="1600" dirty="0" smtClean="0">
                 <a:solidFill>
                   <a:sysClr val="windowText" lastClr="000000"/>
                 </a:solidFill>
@@ -4314,12 +4319,8 @@
           <a:p>
             <a:pPr algn="ctr"/>
             <a:r>
-              <a:rPr lang="en-US" sz="1400" smtClean="0"/>
-              <a:t>Shape</a:t>
-            </a:r>
-            <a:r>
               <a:rPr lang="en-US" sz="1400" dirty="0" smtClean="0"/>
-              <a:t>*</a:t>
+              <a:t>AbstractShape*</a:t>
             </a:r>
             <a:endParaRPr lang="en-US" sz="1400" dirty="0"/>
           </a:p>
@@ -4700,6 +4701,981 @@
             </a:r>
             <a:r>
               <a:rPr lang="en-US" sz="1000" dirty="0" smtClean="0"/>
+              <a:t>::initializer_list&lt;</a:t>
+            </a:r>
+            <a:r>
+              <a:rPr lang="en-US" sz="1000" dirty="0">
+                <a:solidFill>
+                  <a:sysClr val="windowText" lastClr="000000"/>
+                </a:solidFill>
+              </a:rPr>
+              <a:t>Abstract</a:t>
+            </a:r>
+            <a:r>
+              <a:rPr lang="en-US" sz="1000" dirty="0" smtClean="0"/>
+              <a:t>Shape&gt; x);</a:t>
+            </a:r>
+          </a:p>
+          <a:p>
+            <a:pPr algn="ctr"/>
+            <a:r>
+              <a:rPr lang="en-US" sz="1000" dirty="0" smtClean="0"/>
+              <a:t>toString(double x, double </a:t>
+            </a:r>
+            <a:r>
+              <a:rPr lang="en-US" sz="1000" dirty="0"/>
+              <a:t>y</a:t>
+            </a:r>
+            <a:r>
+              <a:rPr lang="en-US" sz="1000" dirty="0" smtClean="0"/>
+              <a:t>);</a:t>
+            </a:r>
+            <a:endParaRPr lang="en-US" sz="1000" dirty="0"/>
+          </a:p>
+        </p:txBody>
+      </p:sp>
+      <p:sp>
+        <p:nvSpPr>
+          <p:cNvPr id="79" name="Rectangle 78"/>
+          <p:cNvSpPr/>
+          <p:nvPr/>
+        </p:nvSpPr>
+        <p:spPr>
+          <a:xfrm>
+            <a:off x="5972550" y="2847986"/>
+            <a:ext cx="1447800" cy="293382"/>
+          </a:xfrm>
+          <a:prstGeom prst="rect">
+            <a:avLst/>
+          </a:prstGeom>
+          <a:ln w="12700"/>
+        </p:spPr>
+        <p:style>
+          <a:lnRef idx="2">
+            <a:schemeClr val="dk1"/>
+          </a:lnRef>
+          <a:fillRef idx="1">
+            <a:schemeClr val="lt1"/>
+          </a:fillRef>
+          <a:effectRef idx="0">
+            <a:schemeClr val="dk1"/>
+          </a:effectRef>
+          <a:fontRef idx="minor">
+            <a:schemeClr val="dk1"/>
+          </a:fontRef>
+        </p:style>
+        <p:txBody>
+          <a:bodyPr rtlCol="0" anchor="ctr"/>
+          <a:lstStyle/>
+          <a:p>
+            <a:pPr algn="ctr"/>
+            <a:r>
+              <a:rPr lang="en-US" sz="1600" dirty="0" smtClean="0">
+                <a:solidFill>
+                  <a:sysClr val="windowText" lastClr="000000"/>
+                </a:solidFill>
+              </a:rPr>
+              <a:t>Scaled</a:t>
+            </a:r>
+            <a:endParaRPr lang="en-US" sz="1600" dirty="0">
+              <a:solidFill>
+                <a:sysClr val="windowText" lastClr="000000"/>
+              </a:solidFill>
+            </a:endParaRPr>
+          </a:p>
+        </p:txBody>
+      </p:sp>
+      <p:sp>
+        <p:nvSpPr>
+          <p:cNvPr id="80" name="Rectangle 79"/>
+          <p:cNvSpPr/>
+          <p:nvPr/>
+        </p:nvSpPr>
+        <p:spPr>
+          <a:xfrm>
+            <a:off x="5972550" y="3149932"/>
+            <a:ext cx="1447800" cy="220036"/>
+          </a:xfrm>
+          <a:prstGeom prst="rect">
+            <a:avLst/>
+          </a:prstGeom>
+          <a:ln w="12700"/>
+        </p:spPr>
+        <p:style>
+          <a:lnRef idx="2">
+            <a:schemeClr val="dk1"/>
+          </a:lnRef>
+          <a:fillRef idx="1">
+            <a:schemeClr val="lt1"/>
+          </a:fillRef>
+          <a:effectRef idx="0">
+            <a:schemeClr val="dk1"/>
+          </a:effectRef>
+          <a:fontRef idx="minor">
+            <a:schemeClr val="dk1"/>
+          </a:fontRef>
+        </p:style>
+        <p:txBody>
+          <a:bodyPr rtlCol="0" anchor="ctr"/>
+          <a:lstStyle/>
+          <a:p>
+            <a:pPr algn="ctr"/>
+            <a:endParaRPr lang="en-US" sz="1400" dirty="0"/>
+          </a:p>
+        </p:txBody>
+      </p:sp>
+      <p:sp>
+        <p:nvSpPr>
+          <p:cNvPr id="81" name="Rectangle 80"/>
+          <p:cNvSpPr/>
+          <p:nvPr/>
+        </p:nvSpPr>
+        <p:spPr>
+          <a:xfrm>
+            <a:off x="5972550" y="3371730"/>
+            <a:ext cx="1447800" cy="45719"/>
+          </a:xfrm>
+          <a:prstGeom prst="rect">
+            <a:avLst/>
+          </a:prstGeom>
+          <a:ln w="12700"/>
+        </p:spPr>
+        <p:style>
+          <a:lnRef idx="2">
+            <a:schemeClr val="dk1"/>
+          </a:lnRef>
+          <a:fillRef idx="1">
+            <a:schemeClr val="lt1"/>
+          </a:fillRef>
+          <a:effectRef idx="0">
+            <a:schemeClr val="dk1"/>
+          </a:effectRef>
+          <a:fontRef idx="minor">
+            <a:schemeClr val="dk1"/>
+          </a:fontRef>
+        </p:style>
+        <p:txBody>
+          <a:bodyPr rtlCol="0" anchor="ctr"/>
+          <a:lstStyle/>
+          <a:p>
+            <a:pPr algn="ctr"/>
+            <a:endParaRPr lang="en-US" sz="1400" dirty="0"/>
+          </a:p>
+        </p:txBody>
+      </p:sp>
+      <p:sp>
+        <p:nvSpPr>
+          <p:cNvPr id="82" name="Rectangle 81"/>
+          <p:cNvSpPr/>
+          <p:nvPr/>
+        </p:nvSpPr>
+        <p:spPr>
+          <a:xfrm>
+            <a:off x="5972547" y="3410360"/>
+            <a:ext cx="1447800" cy="834434"/>
+          </a:xfrm>
+          <a:prstGeom prst="rect">
+            <a:avLst/>
+          </a:prstGeom>
+          <a:ln w="12700"/>
+        </p:spPr>
+        <p:style>
+          <a:lnRef idx="2">
+            <a:schemeClr val="dk1"/>
+          </a:lnRef>
+          <a:fillRef idx="1">
+            <a:schemeClr val="lt1"/>
+          </a:fillRef>
+          <a:effectRef idx="0">
+            <a:schemeClr val="dk1"/>
+          </a:effectRef>
+          <a:fontRef idx="minor">
+            <a:schemeClr val="dk1"/>
+          </a:fontRef>
+        </p:style>
+        <p:txBody>
+          <a:bodyPr rtlCol="0" anchor="ctr"/>
+          <a:lstStyle/>
+          <a:p>
+            <a:pPr algn="ctr"/>
+            <a:r>
+              <a:rPr lang="en-US" sz="1000" dirty="0" smtClean="0"/>
+              <a:t>Scaled</a:t>
+            </a:r>
+            <a:r>
+              <a:rPr lang="en-US" sz="1000" dirty="0"/>
+              <a:t>(</a:t>
+            </a:r>
+            <a:r>
+              <a:rPr lang="en-US" sz="1000" dirty="0" err="1"/>
+              <a:t>std</a:t>
+            </a:r>
+            <a:r>
+              <a:rPr lang="en-US" sz="1000" dirty="0"/>
+              <a:t>::</a:t>
+            </a:r>
+            <a:r>
+              <a:rPr lang="en-US" sz="1000" dirty="0" smtClean="0"/>
+              <a:t>initializer_list&lt;</a:t>
+            </a:r>
+            <a:r>
+              <a:rPr lang="en-US" sz="1000" dirty="0">
+                <a:solidFill>
+                  <a:sysClr val="windowText" lastClr="000000"/>
+                </a:solidFill>
+              </a:rPr>
+              <a:t>Abstract</a:t>
+            </a:r>
+            <a:r>
+              <a:rPr lang="en-US" sz="1000" dirty="0" smtClean="0"/>
+              <a:t>Shape</a:t>
+            </a:r>
+            <a:r>
+              <a:rPr lang="en-US" sz="1000" dirty="0"/>
+              <a:t>&gt; x</a:t>
+            </a:r>
+            <a:r>
+              <a:rPr lang="en-US" sz="1000" dirty="0" smtClean="0"/>
+              <a:t>);</a:t>
+            </a:r>
+          </a:p>
+          <a:p>
+            <a:pPr algn="ctr"/>
+            <a:r>
+              <a:rPr lang="en-US" sz="1000" dirty="0" err="1" smtClean="0"/>
+              <a:t>toString</a:t>
+            </a:r>
+            <a:r>
+              <a:rPr lang="en-US" sz="1000" dirty="0" smtClean="0"/>
+              <a:t>(double </a:t>
+            </a:r>
+            <a:r>
+              <a:rPr lang="en-US" sz="1000" dirty="0"/>
+              <a:t>x</a:t>
+            </a:r>
+            <a:r>
+              <a:rPr lang="en-US" sz="1000" dirty="0" smtClean="0"/>
+              <a:t>, double </a:t>
+            </a:r>
+            <a:r>
+              <a:rPr lang="en-US" sz="1000" dirty="0"/>
+              <a:t>y</a:t>
+            </a:r>
+            <a:r>
+              <a:rPr lang="en-US" sz="1000" dirty="0" smtClean="0"/>
+              <a:t>)</a:t>
+            </a:r>
+            <a:endParaRPr lang="en-US" sz="1000" dirty="0"/>
+          </a:p>
+        </p:txBody>
+      </p:sp>
+      <p:sp>
+        <p:nvSpPr>
+          <p:cNvPr id="87" name="Rectangle 86"/>
+          <p:cNvSpPr/>
+          <p:nvPr/>
+        </p:nvSpPr>
+        <p:spPr>
+          <a:xfrm>
+            <a:off x="252814" y="4065195"/>
+            <a:ext cx="1218213" cy="295570"/>
+          </a:xfrm>
+          <a:prstGeom prst="rect">
+            <a:avLst/>
+          </a:prstGeom>
+          <a:ln w="12700"/>
+        </p:spPr>
+        <p:style>
+          <a:lnRef idx="2">
+            <a:schemeClr val="dk1"/>
+          </a:lnRef>
+          <a:fillRef idx="1">
+            <a:schemeClr val="lt1"/>
+          </a:fillRef>
+          <a:effectRef idx="0">
+            <a:schemeClr val="dk1"/>
+          </a:effectRef>
+          <a:fontRef idx="minor">
+            <a:schemeClr val="dk1"/>
+          </a:fontRef>
+        </p:style>
+        <p:txBody>
+          <a:bodyPr rtlCol="0" anchor="ctr"/>
+          <a:lstStyle/>
+          <a:p>
+            <a:pPr algn="ctr"/>
+            <a:r>
+              <a:rPr lang="en-US" sz="1600" dirty="0" smtClean="0">
+                <a:solidFill>
+                  <a:sysClr val="windowText" lastClr="000000"/>
+                </a:solidFill>
+              </a:rPr>
+              <a:t>Triangle</a:t>
+            </a:r>
+            <a:endParaRPr lang="en-US" sz="1600" dirty="0">
+              <a:solidFill>
+                <a:sysClr val="windowText" lastClr="000000"/>
+              </a:solidFill>
+            </a:endParaRPr>
+          </a:p>
+        </p:txBody>
+      </p:sp>
+      <p:sp>
+        <p:nvSpPr>
+          <p:cNvPr id="100" name="Rectangle 99"/>
+          <p:cNvSpPr/>
+          <p:nvPr/>
+        </p:nvSpPr>
+        <p:spPr>
+          <a:xfrm>
+            <a:off x="252814" y="4367140"/>
+            <a:ext cx="1218213" cy="221677"/>
+          </a:xfrm>
+          <a:prstGeom prst="rect">
+            <a:avLst/>
+          </a:prstGeom>
+          <a:ln w="12700"/>
+        </p:spPr>
+        <p:style>
+          <a:lnRef idx="2">
+            <a:schemeClr val="dk1"/>
+          </a:lnRef>
+          <a:fillRef idx="1">
+            <a:schemeClr val="lt1"/>
+          </a:fillRef>
+          <a:effectRef idx="0">
+            <a:schemeClr val="dk1"/>
+          </a:effectRef>
+          <a:fontRef idx="minor">
+            <a:schemeClr val="dk1"/>
+          </a:fontRef>
+        </p:style>
+        <p:txBody>
+          <a:bodyPr rtlCol="0" anchor="ctr"/>
+          <a:lstStyle/>
+          <a:p>
+            <a:pPr algn="ctr"/>
+            <a:endParaRPr lang="en-US" sz="1400" dirty="0"/>
+          </a:p>
+        </p:txBody>
+      </p:sp>
+      <p:sp>
+        <p:nvSpPr>
+          <p:cNvPr id="101" name="Rectangle 100"/>
+          <p:cNvSpPr/>
+          <p:nvPr/>
+        </p:nvSpPr>
+        <p:spPr>
+          <a:xfrm>
+            <a:off x="252814" y="4588939"/>
+            <a:ext cx="1218213" cy="46060"/>
+          </a:xfrm>
+          <a:prstGeom prst="rect">
+            <a:avLst/>
+          </a:prstGeom>
+          <a:ln w="12700"/>
+        </p:spPr>
+        <p:style>
+          <a:lnRef idx="2">
+            <a:schemeClr val="dk1"/>
+          </a:lnRef>
+          <a:fillRef idx="1">
+            <a:schemeClr val="lt1"/>
+          </a:fillRef>
+          <a:effectRef idx="0">
+            <a:schemeClr val="dk1"/>
+          </a:effectRef>
+          <a:fontRef idx="minor">
+            <a:schemeClr val="dk1"/>
+          </a:fontRef>
+        </p:style>
+        <p:txBody>
+          <a:bodyPr rtlCol="0" anchor="ctr"/>
+          <a:lstStyle/>
+          <a:p>
+            <a:pPr algn="ctr"/>
+            <a:endParaRPr lang="en-US" sz="1400" dirty="0"/>
+          </a:p>
+        </p:txBody>
+      </p:sp>
+      <p:sp>
+        <p:nvSpPr>
+          <p:cNvPr id="102" name="Rectangle 101"/>
+          <p:cNvSpPr/>
+          <p:nvPr/>
+        </p:nvSpPr>
+        <p:spPr>
+          <a:xfrm>
+            <a:off x="252811" y="4627569"/>
+            <a:ext cx="1218216" cy="746420"/>
+          </a:xfrm>
+          <a:prstGeom prst="rect">
+            <a:avLst/>
+          </a:prstGeom>
+          <a:ln w="12700"/>
+        </p:spPr>
+        <p:style>
+          <a:lnRef idx="2">
+            <a:schemeClr val="dk1"/>
+          </a:lnRef>
+          <a:fillRef idx="1">
+            <a:schemeClr val="lt1"/>
+          </a:fillRef>
+          <a:effectRef idx="0">
+            <a:schemeClr val="dk1"/>
+          </a:effectRef>
+          <a:fontRef idx="minor">
+            <a:schemeClr val="dk1"/>
+          </a:fontRef>
+        </p:style>
+        <p:txBody>
+          <a:bodyPr rtlCol="0" anchor="ctr"/>
+          <a:lstStyle/>
+          <a:p>
+            <a:pPr algn="ctr"/>
+            <a:r>
+              <a:rPr lang="en-US" sz="1200" dirty="0" smtClean="0"/>
+              <a:t>Triangle()</a:t>
+            </a:r>
+          </a:p>
+        </p:txBody>
+      </p:sp>
+      <p:sp>
+        <p:nvSpPr>
+          <p:cNvPr id="107" name="Rectangle 106"/>
+          <p:cNvSpPr/>
+          <p:nvPr/>
+        </p:nvSpPr>
+        <p:spPr>
+          <a:xfrm>
+            <a:off x="2906976" y="2623340"/>
+            <a:ext cx="1218213" cy="295570"/>
+          </a:xfrm>
+          <a:prstGeom prst="rect">
+            <a:avLst/>
+          </a:prstGeom>
+          <a:ln w="12700"/>
+        </p:spPr>
+        <p:style>
+          <a:lnRef idx="2">
+            <a:schemeClr val="dk1"/>
+          </a:lnRef>
+          <a:fillRef idx="1">
+            <a:schemeClr val="lt1"/>
+          </a:fillRef>
+          <a:effectRef idx="0">
+            <a:schemeClr val="dk1"/>
+          </a:effectRef>
+          <a:fontRef idx="minor">
+            <a:schemeClr val="dk1"/>
+          </a:fontRef>
+        </p:style>
+        <p:txBody>
+          <a:bodyPr rtlCol="0" anchor="ctr"/>
+          <a:lstStyle/>
+          <a:p>
+            <a:pPr algn="ctr"/>
+            <a:r>
+              <a:rPr lang="en-US" sz="1600" dirty="0" smtClean="0">
+                <a:solidFill>
+                  <a:sysClr val="windowText" lastClr="000000"/>
+                </a:solidFill>
+              </a:rPr>
+              <a:t>Rectangle</a:t>
+            </a:r>
+            <a:endParaRPr lang="en-US" sz="1600" dirty="0">
+              <a:solidFill>
+                <a:sysClr val="windowText" lastClr="000000"/>
+              </a:solidFill>
+            </a:endParaRPr>
+          </a:p>
+        </p:txBody>
+      </p:sp>
+      <p:sp>
+        <p:nvSpPr>
+          <p:cNvPr id="108" name="Rectangle 107"/>
+          <p:cNvSpPr/>
+          <p:nvPr/>
+        </p:nvSpPr>
+        <p:spPr>
+          <a:xfrm>
+            <a:off x="2906976" y="2925285"/>
+            <a:ext cx="1218213" cy="221677"/>
+          </a:xfrm>
+          <a:prstGeom prst="rect">
+            <a:avLst/>
+          </a:prstGeom>
+          <a:ln w="12700"/>
+        </p:spPr>
+        <p:style>
+          <a:lnRef idx="2">
+            <a:schemeClr val="dk1"/>
+          </a:lnRef>
+          <a:fillRef idx="1">
+            <a:schemeClr val="lt1"/>
+          </a:fillRef>
+          <a:effectRef idx="0">
+            <a:schemeClr val="dk1"/>
+          </a:effectRef>
+          <a:fontRef idx="minor">
+            <a:schemeClr val="dk1"/>
+          </a:fontRef>
+        </p:style>
+        <p:txBody>
+          <a:bodyPr rtlCol="0" anchor="ctr"/>
+          <a:lstStyle/>
+          <a:p>
+            <a:pPr algn="ctr"/>
+            <a:endParaRPr lang="en-US" sz="1400" dirty="0"/>
+          </a:p>
+        </p:txBody>
+      </p:sp>
+      <p:sp>
+        <p:nvSpPr>
+          <p:cNvPr id="109" name="Rectangle 108"/>
+          <p:cNvSpPr/>
+          <p:nvPr/>
+        </p:nvSpPr>
+        <p:spPr>
+          <a:xfrm>
+            <a:off x="2906976" y="3147084"/>
+            <a:ext cx="1218213" cy="46060"/>
+          </a:xfrm>
+          <a:prstGeom prst="rect">
+            <a:avLst/>
+          </a:prstGeom>
+          <a:ln w="12700"/>
+        </p:spPr>
+        <p:style>
+          <a:lnRef idx="2">
+            <a:schemeClr val="dk1"/>
+          </a:lnRef>
+          <a:fillRef idx="1">
+            <a:schemeClr val="lt1"/>
+          </a:fillRef>
+          <a:effectRef idx="0">
+            <a:schemeClr val="dk1"/>
+          </a:effectRef>
+          <a:fontRef idx="minor">
+            <a:schemeClr val="dk1"/>
+          </a:fontRef>
+        </p:style>
+        <p:txBody>
+          <a:bodyPr rtlCol="0" anchor="ctr"/>
+          <a:lstStyle/>
+          <a:p>
+            <a:pPr algn="ctr"/>
+            <a:endParaRPr lang="en-US" sz="1400" dirty="0"/>
+          </a:p>
+        </p:txBody>
+      </p:sp>
+      <p:sp>
+        <p:nvSpPr>
+          <p:cNvPr id="110" name="Rectangle 109"/>
+          <p:cNvSpPr/>
+          <p:nvPr/>
+        </p:nvSpPr>
+        <p:spPr>
+          <a:xfrm>
+            <a:off x="2906973" y="3185714"/>
+            <a:ext cx="1218216" cy="746420"/>
+          </a:xfrm>
+          <a:prstGeom prst="rect">
+            <a:avLst/>
+          </a:prstGeom>
+          <a:ln w="12700"/>
+        </p:spPr>
+        <p:style>
+          <a:lnRef idx="2">
+            <a:schemeClr val="dk1"/>
+          </a:lnRef>
+          <a:fillRef idx="1">
+            <a:schemeClr val="lt1"/>
+          </a:fillRef>
+          <a:effectRef idx="0">
+            <a:schemeClr val="dk1"/>
+          </a:effectRef>
+          <a:fontRef idx="minor">
+            <a:schemeClr val="dk1"/>
+          </a:fontRef>
+        </p:style>
+        <p:txBody>
+          <a:bodyPr rtlCol="0" anchor="ctr"/>
+          <a:lstStyle/>
+          <a:p>
+            <a:pPr algn="ctr"/>
+            <a:r>
+              <a:rPr lang="en-US" sz="1200" dirty="0" smtClean="0"/>
+              <a:t>Rectangle()</a:t>
+            </a:r>
+          </a:p>
+        </p:txBody>
+      </p:sp>
+      <p:sp>
+        <p:nvSpPr>
+          <p:cNvPr id="111" name="Rectangle 110"/>
+          <p:cNvSpPr/>
+          <p:nvPr/>
+        </p:nvSpPr>
+        <p:spPr>
+          <a:xfrm>
+            <a:off x="1612800" y="4064840"/>
+            <a:ext cx="1218213" cy="295570"/>
+          </a:xfrm>
+          <a:prstGeom prst="rect">
+            <a:avLst/>
+          </a:prstGeom>
+          <a:ln w="12700"/>
+        </p:spPr>
+        <p:style>
+          <a:lnRef idx="2">
+            <a:schemeClr val="dk1"/>
+          </a:lnRef>
+          <a:fillRef idx="1">
+            <a:schemeClr val="lt1"/>
+          </a:fillRef>
+          <a:effectRef idx="0">
+            <a:schemeClr val="dk1"/>
+          </a:effectRef>
+          <a:fontRef idx="minor">
+            <a:schemeClr val="dk1"/>
+          </a:fontRef>
+        </p:style>
+        <p:txBody>
+          <a:bodyPr rtlCol="0" anchor="ctr"/>
+          <a:lstStyle/>
+          <a:p>
+            <a:pPr algn="ctr"/>
+            <a:r>
+              <a:rPr lang="en-US" sz="1600" dirty="0" smtClean="0">
+                <a:solidFill>
+                  <a:sysClr val="windowText" lastClr="000000"/>
+                </a:solidFill>
+              </a:rPr>
+              <a:t>Spacer</a:t>
+            </a:r>
+            <a:endParaRPr lang="en-US" sz="1600" dirty="0">
+              <a:solidFill>
+                <a:sysClr val="windowText" lastClr="000000"/>
+              </a:solidFill>
+            </a:endParaRPr>
+          </a:p>
+        </p:txBody>
+      </p:sp>
+      <p:sp>
+        <p:nvSpPr>
+          <p:cNvPr id="112" name="Rectangle 111"/>
+          <p:cNvSpPr/>
+          <p:nvPr/>
+        </p:nvSpPr>
+        <p:spPr>
+          <a:xfrm>
+            <a:off x="1612800" y="4366785"/>
+            <a:ext cx="1218213" cy="221677"/>
+          </a:xfrm>
+          <a:prstGeom prst="rect">
+            <a:avLst/>
+          </a:prstGeom>
+          <a:ln w="12700"/>
+        </p:spPr>
+        <p:style>
+          <a:lnRef idx="2">
+            <a:schemeClr val="dk1"/>
+          </a:lnRef>
+          <a:fillRef idx="1">
+            <a:schemeClr val="lt1"/>
+          </a:fillRef>
+          <a:effectRef idx="0">
+            <a:schemeClr val="dk1"/>
+          </a:effectRef>
+          <a:fontRef idx="minor">
+            <a:schemeClr val="dk1"/>
+          </a:fontRef>
+        </p:style>
+        <p:txBody>
+          <a:bodyPr rtlCol="0" anchor="ctr"/>
+          <a:lstStyle/>
+          <a:p>
+            <a:pPr algn="ctr"/>
+            <a:endParaRPr lang="en-US" sz="1400" dirty="0"/>
+          </a:p>
+        </p:txBody>
+      </p:sp>
+      <p:sp>
+        <p:nvSpPr>
+          <p:cNvPr id="113" name="Rectangle 112"/>
+          <p:cNvSpPr/>
+          <p:nvPr/>
+        </p:nvSpPr>
+        <p:spPr>
+          <a:xfrm>
+            <a:off x="1612800" y="4588584"/>
+            <a:ext cx="1218213" cy="46060"/>
+          </a:xfrm>
+          <a:prstGeom prst="rect">
+            <a:avLst/>
+          </a:prstGeom>
+          <a:ln w="12700"/>
+        </p:spPr>
+        <p:style>
+          <a:lnRef idx="2">
+            <a:schemeClr val="dk1"/>
+          </a:lnRef>
+          <a:fillRef idx="1">
+            <a:schemeClr val="lt1"/>
+          </a:fillRef>
+          <a:effectRef idx="0">
+            <a:schemeClr val="dk1"/>
+          </a:effectRef>
+          <a:fontRef idx="minor">
+            <a:schemeClr val="dk1"/>
+          </a:fontRef>
+        </p:style>
+        <p:txBody>
+          <a:bodyPr rtlCol="0" anchor="ctr"/>
+          <a:lstStyle/>
+          <a:p>
+            <a:pPr algn="ctr"/>
+            <a:endParaRPr lang="en-US" sz="1400" dirty="0"/>
+          </a:p>
+        </p:txBody>
+      </p:sp>
+      <p:sp>
+        <p:nvSpPr>
+          <p:cNvPr id="114" name="Rectangle 113"/>
+          <p:cNvSpPr/>
+          <p:nvPr/>
+        </p:nvSpPr>
+        <p:spPr>
+          <a:xfrm>
+            <a:off x="1612797" y="4627214"/>
+            <a:ext cx="1218216" cy="746420"/>
+          </a:xfrm>
+          <a:prstGeom prst="rect">
+            <a:avLst/>
+          </a:prstGeom>
+          <a:ln w="12700"/>
+        </p:spPr>
+        <p:style>
+          <a:lnRef idx="2">
+            <a:schemeClr val="dk1"/>
+          </a:lnRef>
+          <a:fillRef idx="1">
+            <a:schemeClr val="lt1"/>
+          </a:fillRef>
+          <a:effectRef idx="0">
+            <a:schemeClr val="dk1"/>
+          </a:effectRef>
+          <a:fontRef idx="minor">
+            <a:schemeClr val="dk1"/>
+          </a:fontRef>
+        </p:style>
+        <p:txBody>
+          <a:bodyPr rtlCol="0" anchor="ctr"/>
+          <a:lstStyle/>
+          <a:p>
+            <a:pPr algn="ctr"/>
+            <a:r>
+              <a:rPr lang="en-US" sz="1200" dirty="0" smtClean="0"/>
+              <a:t>Spacer()</a:t>
+            </a:r>
+          </a:p>
+          <a:p>
+            <a:pPr algn="ctr"/>
+            <a:r>
+              <a:rPr lang="en-US" sz="1200" dirty="0" err="1"/>
+              <a:t>toString</a:t>
+            </a:r>
+            <a:r>
+              <a:rPr lang="en-US" sz="1200" dirty="0"/>
+              <a:t>(double </a:t>
+            </a:r>
+            <a:r>
+              <a:rPr lang="en-US" sz="1200" dirty="0" err="1" smtClean="0"/>
+              <a:t>x,double</a:t>
+            </a:r>
+            <a:r>
+              <a:rPr lang="en-US" sz="1200" dirty="0" smtClean="0"/>
+              <a:t> y)</a:t>
+            </a:r>
+            <a:endParaRPr lang="en-US" sz="1200" dirty="0"/>
+          </a:p>
+        </p:txBody>
+      </p:sp>
+      <p:sp>
+        <p:nvSpPr>
+          <p:cNvPr id="115" name="Rectangle 114"/>
+          <p:cNvSpPr/>
+          <p:nvPr/>
+        </p:nvSpPr>
+        <p:spPr>
+          <a:xfrm>
+            <a:off x="4458209" y="4386195"/>
+            <a:ext cx="1447800" cy="293382"/>
+          </a:xfrm>
+          <a:prstGeom prst="rect">
+            <a:avLst/>
+          </a:prstGeom>
+          <a:ln w="12700"/>
+        </p:spPr>
+        <p:style>
+          <a:lnRef idx="2">
+            <a:schemeClr val="dk1"/>
+          </a:lnRef>
+          <a:fillRef idx="1">
+            <a:schemeClr val="lt1"/>
+          </a:fillRef>
+          <a:effectRef idx="0">
+            <a:schemeClr val="dk1"/>
+          </a:effectRef>
+          <a:fontRef idx="minor">
+            <a:schemeClr val="dk1"/>
+          </a:fontRef>
+        </p:style>
+        <p:txBody>
+          <a:bodyPr rtlCol="0" anchor="ctr"/>
+          <a:lstStyle/>
+          <a:p>
+            <a:pPr algn="ctr"/>
+            <a:r>
+              <a:rPr lang="en-US" sz="1600" dirty="0" smtClean="0">
+                <a:solidFill>
+                  <a:sysClr val="windowText" lastClr="000000"/>
+                </a:solidFill>
+              </a:rPr>
+              <a:t>Layered</a:t>
+            </a:r>
+            <a:endParaRPr lang="en-US" sz="1600" dirty="0">
+              <a:solidFill>
+                <a:sysClr val="windowText" lastClr="000000"/>
+              </a:solidFill>
+            </a:endParaRPr>
+          </a:p>
+        </p:txBody>
+      </p:sp>
+      <p:sp>
+        <p:nvSpPr>
+          <p:cNvPr id="116" name="Rectangle 115"/>
+          <p:cNvSpPr/>
+          <p:nvPr/>
+        </p:nvSpPr>
+        <p:spPr>
+          <a:xfrm>
+            <a:off x="4458209" y="4688141"/>
+            <a:ext cx="1447800" cy="220036"/>
+          </a:xfrm>
+          <a:prstGeom prst="rect">
+            <a:avLst/>
+          </a:prstGeom>
+          <a:ln w="12700"/>
+        </p:spPr>
+        <p:style>
+          <a:lnRef idx="2">
+            <a:schemeClr val="dk1"/>
+          </a:lnRef>
+          <a:fillRef idx="1">
+            <a:schemeClr val="lt1"/>
+          </a:fillRef>
+          <a:effectRef idx="0">
+            <a:schemeClr val="dk1"/>
+          </a:effectRef>
+          <a:fontRef idx="minor">
+            <a:schemeClr val="dk1"/>
+          </a:fontRef>
+        </p:style>
+        <p:txBody>
+          <a:bodyPr rtlCol="0" anchor="ctr"/>
+          <a:lstStyle/>
+          <a:p>
+            <a:pPr algn="ctr"/>
+            <a:endParaRPr lang="en-US" sz="1400" dirty="0"/>
+          </a:p>
+        </p:txBody>
+      </p:sp>
+      <p:sp>
+        <p:nvSpPr>
+          <p:cNvPr id="117" name="Rectangle 116"/>
+          <p:cNvSpPr/>
+          <p:nvPr/>
+        </p:nvSpPr>
+        <p:spPr>
+          <a:xfrm>
+            <a:off x="4458209" y="4909939"/>
+            <a:ext cx="1447800" cy="45719"/>
+          </a:xfrm>
+          <a:prstGeom prst="rect">
+            <a:avLst/>
+          </a:prstGeom>
+          <a:ln w="12700"/>
+        </p:spPr>
+        <p:style>
+          <a:lnRef idx="2">
+            <a:schemeClr val="dk1"/>
+          </a:lnRef>
+          <a:fillRef idx="1">
+            <a:schemeClr val="lt1"/>
+          </a:fillRef>
+          <a:effectRef idx="0">
+            <a:schemeClr val="dk1"/>
+          </a:effectRef>
+          <a:fontRef idx="minor">
+            <a:schemeClr val="dk1"/>
+          </a:fontRef>
+        </p:style>
+        <p:txBody>
+          <a:bodyPr rtlCol="0" anchor="ctr"/>
+          <a:lstStyle/>
+          <a:p>
+            <a:pPr algn="ctr"/>
+            <a:endParaRPr lang="en-US" sz="1400" dirty="0"/>
+          </a:p>
+        </p:txBody>
+      </p:sp>
+      <p:sp>
+        <p:nvSpPr>
+          <p:cNvPr id="118" name="Rectangle 117"/>
+          <p:cNvSpPr/>
+          <p:nvPr/>
+        </p:nvSpPr>
+        <p:spPr>
+          <a:xfrm>
+            <a:off x="4458206" y="4948568"/>
+            <a:ext cx="1447800" cy="845595"/>
+          </a:xfrm>
+          <a:prstGeom prst="rect">
+            <a:avLst/>
+          </a:prstGeom>
+          <a:ln w="12700"/>
+        </p:spPr>
+        <p:style>
+          <a:lnRef idx="2">
+            <a:schemeClr val="dk1"/>
+          </a:lnRef>
+          <a:fillRef idx="1">
+            <a:schemeClr val="lt1"/>
+          </a:fillRef>
+          <a:effectRef idx="0">
+            <a:schemeClr val="dk1"/>
+          </a:effectRef>
+          <a:fontRef idx="minor">
+            <a:schemeClr val="dk1"/>
+          </a:fontRef>
+        </p:style>
+        <p:txBody>
+          <a:bodyPr rtlCol="0" anchor="ctr"/>
+          <a:lstStyle/>
+          <a:p>
+            <a:pPr algn="ctr"/>
+            <a:r>
+              <a:rPr lang="en-US" sz="1000" dirty="0"/>
+              <a:t>Layered(</a:t>
+            </a:r>
+            <a:r>
+              <a:rPr lang="en-US" sz="1000" dirty="0" err="1"/>
+              <a:t>std</a:t>
+            </a:r>
+            <a:r>
+              <a:rPr lang="en-US" sz="1000" dirty="0"/>
               <a:t>::</a:t>
             </a:r>
             <a:r>
@@ -4723,24 +5699,23 @@
               <a:t>Shape</a:t>
             </a:r>
             <a:r>
-              <a:rPr lang="en-US" sz="1000" dirty="0" smtClean="0"/>
+              <a:rPr lang="en-US" sz="1000" dirty="0"/>
               <a:t>&gt; x</a:t>
             </a:r>
             <a:r>
               <a:rPr lang="en-US" sz="1000" dirty="0" smtClean="0"/>
               <a:t>);</a:t>
             </a:r>
-            <a:endParaRPr lang="en-US" sz="1000" dirty="0" smtClean="0"/>
           </a:p>
           <a:p>
             <a:pPr algn="ctr"/>
             <a:r>
-              <a:rPr lang="en-US" sz="1000" dirty="0" err="1" smtClean="0"/>
-              <a:t>toString</a:t>
+              <a:rPr lang="en-US" sz="1000" dirty="0"/>
+              <a:t>toString(double x</a:t>
             </a:r>
             <a:r>
               <a:rPr lang="en-US" sz="1000" dirty="0" smtClean="0"/>
-              <a:t>(double x, double </a:t>
+              <a:t>, double </a:t>
             </a:r>
             <a:r>
               <a:rPr lang="en-US" sz="1000" dirty="0"/>
@@ -4748,7 +5723,7 @@
             </a:r>
             <a:r>
               <a:rPr lang="en-US" sz="1000" dirty="0" smtClean="0"/>
-              <a:t>)</a:t>
+              <a:t>);</a:t>
             </a:r>
             <a:endParaRPr lang="en-US" sz="1000" dirty="0"/>
           </a:p>
@@ -4756,13 +5731,13 @@
       </p:sp>
       <p:sp>
         <p:nvSpPr>
-          <p:cNvPr id="79" name="Rectangle 78"/>
+          <p:cNvPr id="119" name="Rectangle 118"/>
           <p:cNvSpPr/>
           <p:nvPr/>
         </p:nvSpPr>
         <p:spPr>
           <a:xfrm>
-            <a:off x="5972550" y="2847986"/>
+            <a:off x="5972547" y="4397355"/>
             <a:ext cx="1447800" cy="293382"/>
           </a:xfrm>
           <a:prstGeom prst="rect">
@@ -4795,7 +5770,7 @@
                   <a:sysClr val="windowText" lastClr="000000"/>
                 </a:solidFill>
               </a:rPr>
-              <a:t>Scaled</a:t>
+              <a:t>Vertical</a:t>
             </a:r>
             <a:endParaRPr lang="en-US" sz="1600" dirty="0">
               <a:solidFill>
@@ -4807,13 +5782,13 @@
       </p:sp>
       <p:sp>
         <p:nvSpPr>
-          <p:cNvPr id="80" name="Rectangle 79"/>
+          <p:cNvPr id="120" name="Rectangle 119"/>
           <p:cNvSpPr/>
           <p:nvPr/>
         </p:nvSpPr>
         <p:spPr>
           <a:xfrm>
-            <a:off x="5972550" y="3149932"/>
+            <a:off x="5972547" y="4699301"/>
             <a:ext cx="1447800" cy="220036"/>
           </a:xfrm>
           <a:prstGeom prst="rect">
@@ -4846,13 +5821,13 @@
       </p:sp>
       <p:sp>
         <p:nvSpPr>
-          <p:cNvPr id="81" name="Rectangle 80"/>
+          <p:cNvPr id="121" name="Rectangle 120"/>
           <p:cNvSpPr/>
           <p:nvPr/>
         </p:nvSpPr>
         <p:spPr>
           <a:xfrm>
-            <a:off x="5972550" y="3371730"/>
+            <a:off x="5972547" y="4921099"/>
             <a:ext cx="1447800" cy="45719"/>
           </a:xfrm>
           <a:prstGeom prst="rect">
@@ -4885,13 +5860,13 @@
       </p:sp>
       <p:sp>
         <p:nvSpPr>
-          <p:cNvPr id="82" name="Rectangle 81"/>
+          <p:cNvPr id="122" name="Rectangle 121"/>
           <p:cNvSpPr/>
           <p:nvPr/>
         </p:nvSpPr>
         <p:spPr>
           <a:xfrm>
-            <a:off x="5972547" y="3410360"/>
+            <a:off x="5972544" y="4959729"/>
             <a:ext cx="1447800" cy="834434"/>
           </a:xfrm>
           <a:prstGeom prst="rect">
@@ -4920,7 +5895,7 @@
             <a:pPr algn="ctr"/>
             <a:r>
               <a:rPr lang="en-US" sz="1000" dirty="0" smtClean="0"/>
-              <a:t>Scaled</a:t>
+              <a:t>Vertical</a:t>
             </a:r>
             <a:r>
               <a:rPr lang="en-US" sz="1000" dirty="0"/>
@@ -4962,21 +5937,13 @@
               <a:rPr lang="en-US" sz="1000" dirty="0" smtClean="0"/>
               <a:t>);</a:t>
             </a:r>
-            <a:endParaRPr lang="en-US" sz="1000" dirty="0" smtClean="0"/>
+            <a:endParaRPr lang="en-US" sz="1000" dirty="0"/>
           </a:p>
           <a:p>
             <a:pPr algn="ctr"/>
             <a:r>
-              <a:rPr lang="en-US" sz="1000" dirty="0" err="1" smtClean="0"/>
-              <a:t>toString</a:t>
-            </a:r>
-            <a:r>
-              <a:rPr lang="en-US" sz="1000" dirty="0" smtClean="0"/>
-              <a:t>(double </a:t>
-            </a:r>
-            <a:r>
               <a:rPr lang="en-US" sz="1000" dirty="0"/>
-              <a:t>x</a:t>
+              <a:t>toString(double x</a:t>
             </a:r>
             <a:r>
               <a:rPr lang="en-US" sz="1000" dirty="0" smtClean="0"/>
@@ -4988,1018 +5955,7 @@
             </a:r>
             <a:r>
               <a:rPr lang="en-US" sz="1000" dirty="0" smtClean="0"/>
-              <a:t>)</a:t>
-            </a:r>
-            <a:endParaRPr lang="en-US" sz="1000" dirty="0"/>
-          </a:p>
-        </p:txBody>
-      </p:sp>
-      <p:sp>
-        <p:nvSpPr>
-          <p:cNvPr id="87" name="Rectangle 86"/>
-          <p:cNvSpPr/>
-          <p:nvPr/>
-        </p:nvSpPr>
-        <p:spPr>
-          <a:xfrm>
-            <a:off x="252814" y="4065195"/>
-            <a:ext cx="1218213" cy="295570"/>
-          </a:xfrm>
-          <a:prstGeom prst="rect">
-            <a:avLst/>
-          </a:prstGeom>
-          <a:ln w="12700"/>
-        </p:spPr>
-        <p:style>
-          <a:lnRef idx="2">
-            <a:schemeClr val="dk1"/>
-          </a:lnRef>
-          <a:fillRef idx="1">
-            <a:schemeClr val="lt1"/>
-          </a:fillRef>
-          <a:effectRef idx="0">
-            <a:schemeClr val="dk1"/>
-          </a:effectRef>
-          <a:fontRef idx="minor">
-            <a:schemeClr val="dk1"/>
-          </a:fontRef>
-        </p:style>
-        <p:txBody>
-          <a:bodyPr rtlCol="0" anchor="ctr"/>
-          <a:lstStyle/>
-          <a:p>
-            <a:pPr algn="ctr"/>
-            <a:r>
-              <a:rPr lang="en-US" sz="1600" dirty="0" smtClean="0">
-                <a:solidFill>
-                  <a:sysClr val="windowText" lastClr="000000"/>
-                </a:solidFill>
-              </a:rPr>
-              <a:t>Triangle</a:t>
-            </a:r>
-            <a:endParaRPr lang="en-US" sz="1600" dirty="0">
-              <a:solidFill>
-                <a:sysClr val="windowText" lastClr="000000"/>
-              </a:solidFill>
-            </a:endParaRPr>
-          </a:p>
-        </p:txBody>
-      </p:sp>
-      <p:sp>
-        <p:nvSpPr>
-          <p:cNvPr id="100" name="Rectangle 99"/>
-          <p:cNvSpPr/>
-          <p:nvPr/>
-        </p:nvSpPr>
-        <p:spPr>
-          <a:xfrm>
-            <a:off x="252814" y="4367140"/>
-            <a:ext cx="1218213" cy="221677"/>
-          </a:xfrm>
-          <a:prstGeom prst="rect">
-            <a:avLst/>
-          </a:prstGeom>
-          <a:ln w="12700"/>
-        </p:spPr>
-        <p:style>
-          <a:lnRef idx="2">
-            <a:schemeClr val="dk1"/>
-          </a:lnRef>
-          <a:fillRef idx="1">
-            <a:schemeClr val="lt1"/>
-          </a:fillRef>
-          <a:effectRef idx="0">
-            <a:schemeClr val="dk1"/>
-          </a:effectRef>
-          <a:fontRef idx="minor">
-            <a:schemeClr val="dk1"/>
-          </a:fontRef>
-        </p:style>
-        <p:txBody>
-          <a:bodyPr rtlCol="0" anchor="ctr"/>
-          <a:lstStyle/>
-          <a:p>
-            <a:pPr algn="ctr"/>
-            <a:endParaRPr lang="en-US" sz="1400" dirty="0"/>
-          </a:p>
-        </p:txBody>
-      </p:sp>
-      <p:sp>
-        <p:nvSpPr>
-          <p:cNvPr id="101" name="Rectangle 100"/>
-          <p:cNvSpPr/>
-          <p:nvPr/>
-        </p:nvSpPr>
-        <p:spPr>
-          <a:xfrm>
-            <a:off x="252814" y="4588939"/>
-            <a:ext cx="1218213" cy="46060"/>
-          </a:xfrm>
-          <a:prstGeom prst="rect">
-            <a:avLst/>
-          </a:prstGeom>
-          <a:ln w="12700"/>
-        </p:spPr>
-        <p:style>
-          <a:lnRef idx="2">
-            <a:schemeClr val="dk1"/>
-          </a:lnRef>
-          <a:fillRef idx="1">
-            <a:schemeClr val="lt1"/>
-          </a:fillRef>
-          <a:effectRef idx="0">
-            <a:schemeClr val="dk1"/>
-          </a:effectRef>
-          <a:fontRef idx="minor">
-            <a:schemeClr val="dk1"/>
-          </a:fontRef>
-        </p:style>
-        <p:txBody>
-          <a:bodyPr rtlCol="0" anchor="ctr"/>
-          <a:lstStyle/>
-          <a:p>
-            <a:pPr algn="ctr"/>
-            <a:endParaRPr lang="en-US" sz="1400" dirty="0"/>
-          </a:p>
-        </p:txBody>
-      </p:sp>
-      <p:sp>
-        <p:nvSpPr>
-          <p:cNvPr id="102" name="Rectangle 101"/>
-          <p:cNvSpPr/>
-          <p:nvPr/>
-        </p:nvSpPr>
-        <p:spPr>
-          <a:xfrm>
-            <a:off x="252811" y="4627569"/>
-            <a:ext cx="1218216" cy="746420"/>
-          </a:xfrm>
-          <a:prstGeom prst="rect">
-            <a:avLst/>
-          </a:prstGeom>
-          <a:ln w="12700"/>
-        </p:spPr>
-        <p:style>
-          <a:lnRef idx="2">
-            <a:schemeClr val="dk1"/>
-          </a:lnRef>
-          <a:fillRef idx="1">
-            <a:schemeClr val="lt1"/>
-          </a:fillRef>
-          <a:effectRef idx="0">
-            <a:schemeClr val="dk1"/>
-          </a:effectRef>
-          <a:fontRef idx="minor">
-            <a:schemeClr val="dk1"/>
-          </a:fontRef>
-        </p:style>
-        <p:txBody>
-          <a:bodyPr rtlCol="0" anchor="ctr"/>
-          <a:lstStyle/>
-          <a:p>
-            <a:pPr algn="ctr"/>
-            <a:r>
-              <a:rPr lang="en-US" sz="1200" dirty="0" smtClean="0"/>
-              <a:t>Triangle</a:t>
-            </a:r>
-            <a:r>
-              <a:rPr lang="en-US" sz="1200" dirty="0" smtClean="0"/>
-              <a:t>()</a:t>
-            </a:r>
-            <a:endParaRPr lang="en-US" sz="1200" dirty="0" smtClean="0"/>
-          </a:p>
-        </p:txBody>
-      </p:sp>
-      <p:sp>
-        <p:nvSpPr>
-          <p:cNvPr id="107" name="Rectangle 106"/>
-          <p:cNvSpPr/>
-          <p:nvPr/>
-        </p:nvSpPr>
-        <p:spPr>
-          <a:xfrm>
-            <a:off x="2906976" y="2623340"/>
-            <a:ext cx="1218213" cy="295570"/>
-          </a:xfrm>
-          <a:prstGeom prst="rect">
-            <a:avLst/>
-          </a:prstGeom>
-          <a:ln w="12700"/>
-        </p:spPr>
-        <p:style>
-          <a:lnRef idx="2">
-            <a:schemeClr val="dk1"/>
-          </a:lnRef>
-          <a:fillRef idx="1">
-            <a:schemeClr val="lt1"/>
-          </a:fillRef>
-          <a:effectRef idx="0">
-            <a:schemeClr val="dk1"/>
-          </a:effectRef>
-          <a:fontRef idx="minor">
-            <a:schemeClr val="dk1"/>
-          </a:fontRef>
-        </p:style>
-        <p:txBody>
-          <a:bodyPr rtlCol="0" anchor="ctr"/>
-          <a:lstStyle/>
-          <a:p>
-            <a:pPr algn="ctr"/>
-            <a:r>
-              <a:rPr lang="en-US" sz="1600" dirty="0" smtClean="0">
-                <a:solidFill>
-                  <a:sysClr val="windowText" lastClr="000000"/>
-                </a:solidFill>
-              </a:rPr>
-              <a:t>Rectangle</a:t>
-            </a:r>
-            <a:endParaRPr lang="en-US" sz="1600" dirty="0">
-              <a:solidFill>
-                <a:sysClr val="windowText" lastClr="000000"/>
-              </a:solidFill>
-            </a:endParaRPr>
-          </a:p>
-        </p:txBody>
-      </p:sp>
-      <p:sp>
-        <p:nvSpPr>
-          <p:cNvPr id="108" name="Rectangle 107"/>
-          <p:cNvSpPr/>
-          <p:nvPr/>
-        </p:nvSpPr>
-        <p:spPr>
-          <a:xfrm>
-            <a:off x="2906976" y="2925285"/>
-            <a:ext cx="1218213" cy="221677"/>
-          </a:xfrm>
-          <a:prstGeom prst="rect">
-            <a:avLst/>
-          </a:prstGeom>
-          <a:ln w="12700"/>
-        </p:spPr>
-        <p:style>
-          <a:lnRef idx="2">
-            <a:schemeClr val="dk1"/>
-          </a:lnRef>
-          <a:fillRef idx="1">
-            <a:schemeClr val="lt1"/>
-          </a:fillRef>
-          <a:effectRef idx="0">
-            <a:schemeClr val="dk1"/>
-          </a:effectRef>
-          <a:fontRef idx="minor">
-            <a:schemeClr val="dk1"/>
-          </a:fontRef>
-        </p:style>
-        <p:txBody>
-          <a:bodyPr rtlCol="0" anchor="ctr"/>
-          <a:lstStyle/>
-          <a:p>
-            <a:pPr algn="ctr"/>
-            <a:endParaRPr lang="en-US" sz="1400" dirty="0"/>
-          </a:p>
-        </p:txBody>
-      </p:sp>
-      <p:sp>
-        <p:nvSpPr>
-          <p:cNvPr id="109" name="Rectangle 108"/>
-          <p:cNvSpPr/>
-          <p:nvPr/>
-        </p:nvSpPr>
-        <p:spPr>
-          <a:xfrm>
-            <a:off x="2906976" y="3147084"/>
-            <a:ext cx="1218213" cy="46060"/>
-          </a:xfrm>
-          <a:prstGeom prst="rect">
-            <a:avLst/>
-          </a:prstGeom>
-          <a:ln w="12700"/>
-        </p:spPr>
-        <p:style>
-          <a:lnRef idx="2">
-            <a:schemeClr val="dk1"/>
-          </a:lnRef>
-          <a:fillRef idx="1">
-            <a:schemeClr val="lt1"/>
-          </a:fillRef>
-          <a:effectRef idx="0">
-            <a:schemeClr val="dk1"/>
-          </a:effectRef>
-          <a:fontRef idx="minor">
-            <a:schemeClr val="dk1"/>
-          </a:fontRef>
-        </p:style>
-        <p:txBody>
-          <a:bodyPr rtlCol="0" anchor="ctr"/>
-          <a:lstStyle/>
-          <a:p>
-            <a:pPr algn="ctr"/>
-            <a:endParaRPr lang="en-US" sz="1400" dirty="0"/>
-          </a:p>
-        </p:txBody>
-      </p:sp>
-      <p:sp>
-        <p:nvSpPr>
-          <p:cNvPr id="110" name="Rectangle 109"/>
-          <p:cNvSpPr/>
-          <p:nvPr/>
-        </p:nvSpPr>
-        <p:spPr>
-          <a:xfrm>
-            <a:off x="2906973" y="3185714"/>
-            <a:ext cx="1218216" cy="746420"/>
-          </a:xfrm>
-          <a:prstGeom prst="rect">
-            <a:avLst/>
-          </a:prstGeom>
-          <a:ln w="12700"/>
-        </p:spPr>
-        <p:style>
-          <a:lnRef idx="2">
-            <a:schemeClr val="dk1"/>
-          </a:lnRef>
-          <a:fillRef idx="1">
-            <a:schemeClr val="lt1"/>
-          </a:fillRef>
-          <a:effectRef idx="0">
-            <a:schemeClr val="dk1"/>
-          </a:effectRef>
-          <a:fontRef idx="minor">
-            <a:schemeClr val="dk1"/>
-          </a:fontRef>
-        </p:style>
-        <p:txBody>
-          <a:bodyPr rtlCol="0" anchor="ctr"/>
-          <a:lstStyle/>
-          <a:p>
-            <a:pPr algn="ctr"/>
-            <a:r>
-              <a:rPr lang="en-US" sz="1200" dirty="0" smtClean="0"/>
-              <a:t>Rectangle</a:t>
-            </a:r>
-            <a:r>
-              <a:rPr lang="en-US" sz="1200" dirty="0" smtClean="0"/>
-              <a:t>()</a:t>
-            </a:r>
-            <a:endParaRPr lang="en-US" sz="1200" dirty="0" smtClean="0"/>
-          </a:p>
-        </p:txBody>
-      </p:sp>
-      <p:sp>
-        <p:nvSpPr>
-          <p:cNvPr id="111" name="Rectangle 110"/>
-          <p:cNvSpPr/>
-          <p:nvPr/>
-        </p:nvSpPr>
-        <p:spPr>
-          <a:xfrm>
-            <a:off x="1612800" y="4064840"/>
-            <a:ext cx="1218213" cy="295570"/>
-          </a:xfrm>
-          <a:prstGeom prst="rect">
-            <a:avLst/>
-          </a:prstGeom>
-          <a:ln w="12700"/>
-        </p:spPr>
-        <p:style>
-          <a:lnRef idx="2">
-            <a:schemeClr val="dk1"/>
-          </a:lnRef>
-          <a:fillRef idx="1">
-            <a:schemeClr val="lt1"/>
-          </a:fillRef>
-          <a:effectRef idx="0">
-            <a:schemeClr val="dk1"/>
-          </a:effectRef>
-          <a:fontRef idx="minor">
-            <a:schemeClr val="dk1"/>
-          </a:fontRef>
-        </p:style>
-        <p:txBody>
-          <a:bodyPr rtlCol="0" anchor="ctr"/>
-          <a:lstStyle/>
-          <a:p>
-            <a:pPr algn="ctr"/>
-            <a:r>
-              <a:rPr lang="en-US" sz="1600" dirty="0" smtClean="0">
-                <a:solidFill>
-                  <a:sysClr val="windowText" lastClr="000000"/>
-                </a:solidFill>
-              </a:rPr>
-              <a:t>Spacer</a:t>
-            </a:r>
-            <a:endParaRPr lang="en-US" sz="1600" dirty="0">
-              <a:solidFill>
-                <a:sysClr val="windowText" lastClr="000000"/>
-              </a:solidFill>
-            </a:endParaRPr>
-          </a:p>
-        </p:txBody>
-      </p:sp>
-      <p:sp>
-        <p:nvSpPr>
-          <p:cNvPr id="112" name="Rectangle 111"/>
-          <p:cNvSpPr/>
-          <p:nvPr/>
-        </p:nvSpPr>
-        <p:spPr>
-          <a:xfrm>
-            <a:off x="1612800" y="4366785"/>
-            <a:ext cx="1218213" cy="221677"/>
-          </a:xfrm>
-          <a:prstGeom prst="rect">
-            <a:avLst/>
-          </a:prstGeom>
-          <a:ln w="12700"/>
-        </p:spPr>
-        <p:style>
-          <a:lnRef idx="2">
-            <a:schemeClr val="dk1"/>
-          </a:lnRef>
-          <a:fillRef idx="1">
-            <a:schemeClr val="lt1"/>
-          </a:fillRef>
-          <a:effectRef idx="0">
-            <a:schemeClr val="dk1"/>
-          </a:effectRef>
-          <a:fontRef idx="minor">
-            <a:schemeClr val="dk1"/>
-          </a:fontRef>
-        </p:style>
-        <p:txBody>
-          <a:bodyPr rtlCol="0" anchor="ctr"/>
-          <a:lstStyle/>
-          <a:p>
-            <a:pPr algn="ctr"/>
-            <a:endParaRPr lang="en-US" sz="1400" dirty="0"/>
-          </a:p>
-        </p:txBody>
-      </p:sp>
-      <p:sp>
-        <p:nvSpPr>
-          <p:cNvPr id="113" name="Rectangle 112"/>
-          <p:cNvSpPr/>
-          <p:nvPr/>
-        </p:nvSpPr>
-        <p:spPr>
-          <a:xfrm>
-            <a:off x="1612800" y="4588584"/>
-            <a:ext cx="1218213" cy="46060"/>
-          </a:xfrm>
-          <a:prstGeom prst="rect">
-            <a:avLst/>
-          </a:prstGeom>
-          <a:ln w="12700"/>
-        </p:spPr>
-        <p:style>
-          <a:lnRef idx="2">
-            <a:schemeClr val="dk1"/>
-          </a:lnRef>
-          <a:fillRef idx="1">
-            <a:schemeClr val="lt1"/>
-          </a:fillRef>
-          <a:effectRef idx="0">
-            <a:schemeClr val="dk1"/>
-          </a:effectRef>
-          <a:fontRef idx="minor">
-            <a:schemeClr val="dk1"/>
-          </a:fontRef>
-        </p:style>
-        <p:txBody>
-          <a:bodyPr rtlCol="0" anchor="ctr"/>
-          <a:lstStyle/>
-          <a:p>
-            <a:pPr algn="ctr"/>
-            <a:endParaRPr lang="en-US" sz="1400" dirty="0"/>
-          </a:p>
-        </p:txBody>
-      </p:sp>
-      <p:sp>
-        <p:nvSpPr>
-          <p:cNvPr id="114" name="Rectangle 113"/>
-          <p:cNvSpPr/>
-          <p:nvPr/>
-        </p:nvSpPr>
-        <p:spPr>
-          <a:xfrm>
-            <a:off x="1612797" y="4627214"/>
-            <a:ext cx="1218216" cy="746420"/>
-          </a:xfrm>
-          <a:prstGeom prst="rect">
-            <a:avLst/>
-          </a:prstGeom>
-          <a:ln w="12700"/>
-        </p:spPr>
-        <p:style>
-          <a:lnRef idx="2">
-            <a:schemeClr val="dk1"/>
-          </a:lnRef>
-          <a:fillRef idx="1">
-            <a:schemeClr val="lt1"/>
-          </a:fillRef>
-          <a:effectRef idx="0">
-            <a:schemeClr val="dk1"/>
-          </a:effectRef>
-          <a:fontRef idx="minor">
-            <a:schemeClr val="dk1"/>
-          </a:fontRef>
-        </p:style>
-        <p:txBody>
-          <a:bodyPr rtlCol="0" anchor="ctr"/>
-          <a:lstStyle/>
-          <a:p>
-            <a:pPr algn="ctr"/>
-            <a:r>
-              <a:rPr lang="en-US" sz="1200" dirty="0" smtClean="0"/>
-              <a:t>Spacer()</a:t>
-            </a:r>
-          </a:p>
-          <a:p>
-            <a:pPr algn="ctr"/>
-            <a:r>
-              <a:rPr lang="en-US" sz="1200" dirty="0" err="1"/>
-              <a:t>toString</a:t>
-            </a:r>
-            <a:r>
-              <a:rPr lang="en-US" sz="1200" dirty="0"/>
-              <a:t>(double </a:t>
-            </a:r>
-            <a:r>
-              <a:rPr lang="en-US" sz="1200" dirty="0" err="1" smtClean="0"/>
-              <a:t>x,double</a:t>
-            </a:r>
-            <a:r>
-              <a:rPr lang="en-US" sz="1200" dirty="0" smtClean="0"/>
-              <a:t> y)</a:t>
-            </a:r>
-            <a:endParaRPr lang="en-US" sz="1200" dirty="0"/>
-          </a:p>
-        </p:txBody>
-      </p:sp>
-      <p:sp>
-        <p:nvSpPr>
-          <p:cNvPr id="115" name="Rectangle 114"/>
-          <p:cNvSpPr/>
-          <p:nvPr/>
-        </p:nvSpPr>
-        <p:spPr>
-          <a:xfrm>
-            <a:off x="4458209" y="4386195"/>
-            <a:ext cx="1447800" cy="293382"/>
-          </a:xfrm>
-          <a:prstGeom prst="rect">
-            <a:avLst/>
-          </a:prstGeom>
-          <a:ln w="12700"/>
-        </p:spPr>
-        <p:style>
-          <a:lnRef idx="2">
-            <a:schemeClr val="dk1"/>
-          </a:lnRef>
-          <a:fillRef idx="1">
-            <a:schemeClr val="lt1"/>
-          </a:fillRef>
-          <a:effectRef idx="0">
-            <a:schemeClr val="dk1"/>
-          </a:effectRef>
-          <a:fontRef idx="minor">
-            <a:schemeClr val="dk1"/>
-          </a:fontRef>
-        </p:style>
-        <p:txBody>
-          <a:bodyPr rtlCol="0" anchor="ctr"/>
-          <a:lstStyle/>
-          <a:p>
-            <a:pPr algn="ctr"/>
-            <a:r>
-              <a:rPr lang="en-US" sz="1600" dirty="0" smtClean="0">
-                <a:solidFill>
-                  <a:sysClr val="windowText" lastClr="000000"/>
-                </a:solidFill>
-              </a:rPr>
-              <a:t>Layered</a:t>
-            </a:r>
-            <a:endParaRPr lang="en-US" sz="1600" dirty="0">
-              <a:solidFill>
-                <a:sysClr val="windowText" lastClr="000000"/>
-              </a:solidFill>
-            </a:endParaRPr>
-          </a:p>
-        </p:txBody>
-      </p:sp>
-      <p:sp>
-        <p:nvSpPr>
-          <p:cNvPr id="116" name="Rectangle 115"/>
-          <p:cNvSpPr/>
-          <p:nvPr/>
-        </p:nvSpPr>
-        <p:spPr>
-          <a:xfrm>
-            <a:off x="4458209" y="4688141"/>
-            <a:ext cx="1447800" cy="220036"/>
-          </a:xfrm>
-          <a:prstGeom prst="rect">
-            <a:avLst/>
-          </a:prstGeom>
-          <a:ln w="12700"/>
-        </p:spPr>
-        <p:style>
-          <a:lnRef idx="2">
-            <a:schemeClr val="dk1"/>
-          </a:lnRef>
-          <a:fillRef idx="1">
-            <a:schemeClr val="lt1"/>
-          </a:fillRef>
-          <a:effectRef idx="0">
-            <a:schemeClr val="dk1"/>
-          </a:effectRef>
-          <a:fontRef idx="minor">
-            <a:schemeClr val="dk1"/>
-          </a:fontRef>
-        </p:style>
-        <p:txBody>
-          <a:bodyPr rtlCol="0" anchor="ctr"/>
-          <a:lstStyle/>
-          <a:p>
-            <a:pPr algn="ctr"/>
-            <a:endParaRPr lang="en-US" sz="1400" dirty="0"/>
-          </a:p>
-        </p:txBody>
-      </p:sp>
-      <p:sp>
-        <p:nvSpPr>
-          <p:cNvPr id="117" name="Rectangle 116"/>
-          <p:cNvSpPr/>
-          <p:nvPr/>
-        </p:nvSpPr>
-        <p:spPr>
-          <a:xfrm>
-            <a:off x="4458209" y="4909939"/>
-            <a:ext cx="1447800" cy="45719"/>
-          </a:xfrm>
-          <a:prstGeom prst="rect">
-            <a:avLst/>
-          </a:prstGeom>
-          <a:ln w="12700"/>
-        </p:spPr>
-        <p:style>
-          <a:lnRef idx="2">
-            <a:schemeClr val="dk1"/>
-          </a:lnRef>
-          <a:fillRef idx="1">
-            <a:schemeClr val="lt1"/>
-          </a:fillRef>
-          <a:effectRef idx="0">
-            <a:schemeClr val="dk1"/>
-          </a:effectRef>
-          <a:fontRef idx="minor">
-            <a:schemeClr val="dk1"/>
-          </a:fontRef>
-        </p:style>
-        <p:txBody>
-          <a:bodyPr rtlCol="0" anchor="ctr"/>
-          <a:lstStyle/>
-          <a:p>
-            <a:pPr algn="ctr"/>
-            <a:endParaRPr lang="en-US" sz="1400" dirty="0"/>
-          </a:p>
-        </p:txBody>
-      </p:sp>
-      <p:sp>
-        <p:nvSpPr>
-          <p:cNvPr id="118" name="Rectangle 117"/>
-          <p:cNvSpPr/>
-          <p:nvPr/>
-        </p:nvSpPr>
-        <p:spPr>
-          <a:xfrm>
-            <a:off x="4458206" y="4948568"/>
-            <a:ext cx="1447800" cy="845595"/>
-          </a:xfrm>
-          <a:prstGeom prst="rect">
-            <a:avLst/>
-          </a:prstGeom>
-          <a:ln w="12700"/>
-        </p:spPr>
-        <p:style>
-          <a:lnRef idx="2">
-            <a:schemeClr val="dk1"/>
-          </a:lnRef>
-          <a:fillRef idx="1">
-            <a:schemeClr val="lt1"/>
-          </a:fillRef>
-          <a:effectRef idx="0">
-            <a:schemeClr val="dk1"/>
-          </a:effectRef>
-          <a:fontRef idx="minor">
-            <a:schemeClr val="dk1"/>
-          </a:fontRef>
-        </p:style>
-        <p:txBody>
-          <a:bodyPr rtlCol="0" anchor="ctr"/>
-          <a:lstStyle/>
-          <a:p>
-            <a:pPr algn="ctr"/>
-            <a:r>
-              <a:rPr lang="en-US" sz="1000" dirty="0"/>
-              <a:t>Layered(</a:t>
-            </a:r>
-            <a:r>
-              <a:rPr lang="en-US" sz="1000" dirty="0" err="1"/>
-              <a:t>std</a:t>
-            </a:r>
-            <a:r>
-              <a:rPr lang="en-US" sz="1000" dirty="0"/>
-              <a:t>::</a:t>
-            </a:r>
-            <a:r>
-              <a:rPr lang="en-US" sz="1000" dirty="0" err="1" smtClean="0"/>
-              <a:t>initializer_list</a:t>
-            </a:r>
-            <a:r>
-              <a:rPr lang="en-US" sz="1000" dirty="0" smtClean="0"/>
-              <a:t>&lt;</a:t>
-            </a:r>
-            <a:r>
-              <a:rPr lang="en-US" sz="1000" dirty="0" err="1">
-                <a:solidFill>
-                  <a:sysClr val="windowText" lastClr="000000"/>
-                </a:solidFill>
-              </a:rPr>
-              <a:t>Abstract</a:t>
-            </a:r>
-            <a:r>
-              <a:rPr lang="en-US" sz="1000" dirty="0" err="1" smtClean="0"/>
-              <a:t>Shape</a:t>
-            </a:r>
-            <a:r>
-              <a:rPr lang="en-US" sz="1000" dirty="0"/>
-              <a:t>&gt; x</a:t>
-            </a:r>
-            <a:r>
-              <a:rPr lang="en-US" sz="1000" dirty="0" smtClean="0"/>
               <a:t>);</a:t>
-            </a:r>
-            <a:endParaRPr lang="en-US" sz="1000" dirty="0" smtClean="0"/>
-          </a:p>
-          <a:p>
-            <a:pPr algn="ctr"/>
-            <a:r>
-              <a:rPr lang="en-US" sz="1000" dirty="0" err="1"/>
-              <a:t>toString</a:t>
-            </a:r>
-            <a:r>
-              <a:rPr lang="en-US" sz="1000" dirty="0"/>
-              <a:t>(double x</a:t>
-            </a:r>
-            <a:r>
-              <a:rPr lang="en-US" sz="1000" dirty="0" smtClean="0"/>
-              <a:t>, double </a:t>
-            </a:r>
-            <a:r>
-              <a:rPr lang="en-US" sz="1000" dirty="0"/>
-              <a:t>y</a:t>
-            </a:r>
-            <a:r>
-              <a:rPr lang="en-US" sz="1000" dirty="0" smtClean="0"/>
-              <a:t>)</a:t>
-            </a:r>
-            <a:endParaRPr lang="en-US" sz="1000" dirty="0"/>
-          </a:p>
-        </p:txBody>
-      </p:sp>
-      <p:sp>
-        <p:nvSpPr>
-          <p:cNvPr id="119" name="Rectangle 118"/>
-          <p:cNvSpPr/>
-          <p:nvPr/>
-        </p:nvSpPr>
-        <p:spPr>
-          <a:xfrm>
-            <a:off x="5972547" y="4397355"/>
-            <a:ext cx="1447800" cy="293382"/>
-          </a:xfrm>
-          <a:prstGeom prst="rect">
-            <a:avLst/>
-          </a:prstGeom>
-          <a:ln w="12700"/>
-        </p:spPr>
-        <p:style>
-          <a:lnRef idx="2">
-            <a:schemeClr val="dk1"/>
-          </a:lnRef>
-          <a:fillRef idx="1">
-            <a:schemeClr val="lt1"/>
-          </a:fillRef>
-          <a:effectRef idx="0">
-            <a:schemeClr val="dk1"/>
-          </a:effectRef>
-          <a:fontRef idx="minor">
-            <a:schemeClr val="dk1"/>
-          </a:fontRef>
-        </p:style>
-        <p:txBody>
-          <a:bodyPr rtlCol="0" anchor="ctr"/>
-          <a:lstStyle/>
-          <a:p>
-            <a:pPr algn="ctr"/>
-            <a:r>
-              <a:rPr lang="en-US" sz="1600" dirty="0" smtClean="0">
-                <a:solidFill>
-                  <a:sysClr val="windowText" lastClr="000000"/>
-                </a:solidFill>
-              </a:rPr>
-              <a:t>Vertical</a:t>
-            </a:r>
-            <a:endParaRPr lang="en-US" sz="1600" dirty="0">
-              <a:solidFill>
-                <a:sysClr val="windowText" lastClr="000000"/>
-              </a:solidFill>
-            </a:endParaRPr>
-          </a:p>
-        </p:txBody>
-      </p:sp>
-      <p:sp>
-        <p:nvSpPr>
-          <p:cNvPr id="120" name="Rectangle 119"/>
-          <p:cNvSpPr/>
-          <p:nvPr/>
-        </p:nvSpPr>
-        <p:spPr>
-          <a:xfrm>
-            <a:off x="5972547" y="4699301"/>
-            <a:ext cx="1447800" cy="220036"/>
-          </a:xfrm>
-          <a:prstGeom prst="rect">
-            <a:avLst/>
-          </a:prstGeom>
-          <a:ln w="12700"/>
-        </p:spPr>
-        <p:style>
-          <a:lnRef idx="2">
-            <a:schemeClr val="dk1"/>
-          </a:lnRef>
-          <a:fillRef idx="1">
-            <a:schemeClr val="lt1"/>
-          </a:fillRef>
-          <a:effectRef idx="0">
-            <a:schemeClr val="dk1"/>
-          </a:effectRef>
-          <a:fontRef idx="minor">
-            <a:schemeClr val="dk1"/>
-          </a:fontRef>
-        </p:style>
-        <p:txBody>
-          <a:bodyPr rtlCol="0" anchor="ctr"/>
-          <a:lstStyle/>
-          <a:p>
-            <a:pPr algn="ctr"/>
-            <a:endParaRPr lang="en-US" sz="1400" dirty="0"/>
-          </a:p>
-        </p:txBody>
-      </p:sp>
-      <p:sp>
-        <p:nvSpPr>
-          <p:cNvPr id="121" name="Rectangle 120"/>
-          <p:cNvSpPr/>
-          <p:nvPr/>
-        </p:nvSpPr>
-        <p:spPr>
-          <a:xfrm>
-            <a:off x="5972547" y="4921099"/>
-            <a:ext cx="1447800" cy="45719"/>
-          </a:xfrm>
-          <a:prstGeom prst="rect">
-            <a:avLst/>
-          </a:prstGeom>
-          <a:ln w="12700"/>
-        </p:spPr>
-        <p:style>
-          <a:lnRef idx="2">
-            <a:schemeClr val="dk1"/>
-          </a:lnRef>
-          <a:fillRef idx="1">
-            <a:schemeClr val="lt1"/>
-          </a:fillRef>
-          <a:effectRef idx="0">
-            <a:schemeClr val="dk1"/>
-          </a:effectRef>
-          <a:fontRef idx="minor">
-            <a:schemeClr val="dk1"/>
-          </a:fontRef>
-        </p:style>
-        <p:txBody>
-          <a:bodyPr rtlCol="0" anchor="ctr"/>
-          <a:lstStyle/>
-          <a:p>
-            <a:pPr algn="ctr"/>
-            <a:endParaRPr lang="en-US" sz="1400" dirty="0"/>
-          </a:p>
-        </p:txBody>
-      </p:sp>
-      <p:sp>
-        <p:nvSpPr>
-          <p:cNvPr id="122" name="Rectangle 121"/>
-          <p:cNvSpPr/>
-          <p:nvPr/>
-        </p:nvSpPr>
-        <p:spPr>
-          <a:xfrm>
-            <a:off x="5972544" y="4959729"/>
-            <a:ext cx="1447800" cy="834434"/>
-          </a:xfrm>
-          <a:prstGeom prst="rect">
-            <a:avLst/>
-          </a:prstGeom>
-          <a:ln w="12700"/>
-        </p:spPr>
-        <p:style>
-          <a:lnRef idx="2">
-            <a:schemeClr val="dk1"/>
-          </a:lnRef>
-          <a:fillRef idx="1">
-            <a:schemeClr val="lt1"/>
-          </a:fillRef>
-          <a:effectRef idx="0">
-            <a:schemeClr val="dk1"/>
-          </a:effectRef>
-          <a:fontRef idx="minor">
-            <a:schemeClr val="dk1"/>
-          </a:fontRef>
-        </p:style>
-        <p:txBody>
-          <a:bodyPr rtlCol="0" anchor="ctr"/>
-          <a:lstStyle/>
-          <a:p>
-            <a:pPr algn="ctr"/>
-            <a:r>
-              <a:rPr lang="en-US" sz="1000" dirty="0" smtClean="0"/>
-              <a:t>Vertical</a:t>
-            </a:r>
-            <a:r>
-              <a:rPr lang="en-US" sz="1000" dirty="0"/>
-              <a:t>(</a:t>
-            </a:r>
-            <a:r>
-              <a:rPr lang="en-US" sz="1000" dirty="0" err="1"/>
-              <a:t>std</a:t>
-            </a:r>
-            <a:r>
-              <a:rPr lang="en-US" sz="1000" dirty="0"/>
-              <a:t>::</a:t>
-            </a:r>
-            <a:r>
-              <a:rPr lang="en-US" sz="1000" dirty="0" err="1" smtClean="0"/>
-              <a:t>initializer_list</a:t>
-            </a:r>
-            <a:r>
-              <a:rPr lang="en-US" sz="1000" dirty="0" smtClean="0"/>
-              <a:t>&lt;</a:t>
-            </a:r>
-            <a:r>
-              <a:rPr lang="en-US" sz="1000" dirty="0" err="1">
-                <a:solidFill>
-                  <a:sysClr val="windowText" lastClr="000000"/>
-                </a:solidFill>
-              </a:rPr>
-              <a:t>Abstract</a:t>
-            </a:r>
-            <a:r>
-              <a:rPr lang="en-US" sz="1000" dirty="0" err="1" smtClean="0"/>
-              <a:t>Shape</a:t>
-            </a:r>
-            <a:r>
-              <a:rPr lang="en-US" sz="1000" dirty="0"/>
-              <a:t>&gt; x</a:t>
-            </a:r>
-            <a:r>
-              <a:rPr lang="en-US" sz="1000" dirty="0" smtClean="0"/>
-              <a:t>);</a:t>
-            </a:r>
-            <a:endParaRPr lang="en-US" sz="1000" dirty="0"/>
-          </a:p>
-          <a:p>
-            <a:pPr algn="ctr"/>
-            <a:r>
-              <a:rPr lang="en-US" sz="1000" dirty="0" err="1"/>
-              <a:t>toString</a:t>
-            </a:r>
-            <a:r>
-              <a:rPr lang="en-US" sz="1000" dirty="0"/>
-              <a:t>(double x</a:t>
-            </a:r>
-            <a:r>
-              <a:rPr lang="en-US" sz="1000" dirty="0" smtClean="0"/>
-              <a:t>, double </a:t>
-            </a:r>
-            <a:r>
-              <a:rPr lang="en-US" sz="1000" dirty="0"/>
-              <a:t>y</a:t>
-            </a:r>
-            <a:r>
-              <a:rPr lang="en-US" sz="1000" dirty="0" smtClean="0"/>
-              <a:t>)</a:t>
             </a:r>
             <a:endParaRPr lang="en-US" sz="1000" dirty="0"/>
           </a:p>
@@ -6186,15 +6142,11 @@
               <a:t>::</a:t>
             </a:r>
             <a:r>
-              <a:rPr lang="en-US" sz="1000" dirty="0" err="1" smtClean="0"/>
-              <a:t>initializer_list</a:t>
-            </a:r>
-            <a:r>
               <a:rPr lang="en-US" sz="1000" dirty="0" smtClean="0"/>
-              <a:t>&lt;</a:t>
-            </a:r>
-            <a:r>
-              <a:rPr lang="en-US" sz="1000" dirty="0" err="1">
+              <a:t>initializer_list&lt;</a:t>
+            </a:r>
+            <a:r>
+              <a:rPr lang="en-US" sz="1000" dirty="0">
                 <a:solidFill>
                   <a:sysClr val="windowText" lastClr="000000"/>
                 </a:solidFill>
@@ -6202,7 +6154,7 @@
               <a:t>Abstract</a:t>
             </a:r>
             <a:r>
-              <a:rPr lang="en-US" sz="1000" dirty="0" err="1" smtClean="0"/>
+              <a:rPr lang="en-US" sz="1000" dirty="0" smtClean="0"/>
               <a:t>Shape</a:t>
             </a:r>
             <a:r>
@@ -6221,12 +6173,8 @@
               <a:rPr lang="en-US" sz="1000" dirty="0"/>
             </a:br>
             <a:r>
-              <a:rPr lang="en-US" sz="1000" dirty="0" err="1"/>
-              <a:t>toString</a:t>
-            </a:r>
-            <a:r>
               <a:rPr lang="en-US" sz="1000" dirty="0"/>
-              <a:t>(double x</a:t>
+              <a:t>toString(double x</a:t>
             </a:r>
             <a:r>
               <a:rPr lang="en-US" sz="1000" dirty="0" smtClean="0"/>
@@ -6238,7 +6186,7 @@
             </a:r>
             <a:r>
               <a:rPr lang="en-US" sz="1000" dirty="0" smtClean="0"/>
-              <a:t>)</a:t>
+              <a:t>);</a:t>
             </a:r>
             <a:endParaRPr lang="en-US" sz="1000" dirty="0"/>
           </a:p>
@@ -6420,7 +6368,6 @@
               <a:rPr lang="en-US" sz="1200" dirty="0" smtClean="0"/>
               <a:t>()</a:t>
             </a:r>
-            <a:endParaRPr lang="en-US" sz="1200" dirty="0" smtClean="0"/>
           </a:p>
         </p:txBody>
       </p:sp>
@@ -6460,7 +6407,7 @@
           <a:p>
             <a:pPr algn="ctr"/>
             <a:r>
-              <a:rPr lang="en-US" sz="1600" dirty="0" err="1" smtClean="0">
+              <a:rPr lang="en-US" sz="1600" dirty="0" smtClean="0">
                 <a:solidFill>
                   <a:sysClr val="windowText" lastClr="000000"/>
                 </a:solidFill>
@@ -6589,7 +6536,7 @@
           <a:p>
             <a:pPr algn="ctr"/>
             <a:r>
-              <a:rPr lang="en-US" sz="1200" dirty="0" err="1">
+              <a:rPr lang="en-US" sz="1200" dirty="0">
                 <a:solidFill>
                   <a:sysClr val="windowText" lastClr="000000"/>
                 </a:solidFill>
@@ -6600,7 +6547,6 @@
               <a:rPr lang="en-US" sz="1200" dirty="0" smtClean="0"/>
               <a:t>()</a:t>
             </a:r>
-            <a:endParaRPr lang="en-US" sz="1200" dirty="0" smtClean="0"/>
           </a:p>
         </p:txBody>
       </p:sp>
